--- a/修論/本文/figure/fig_3_1_3QW_broadcontact_id_inverse.pptx
+++ b/修論/本文/figure/fig_3_1_3QW_broadcontact_id_inverse.pptx
@@ -270,7 +270,7 @@
           <a:p>
             <a:fld id="{7B2C231C-A4B7-694E-AAA8-A398016C186A}" type="datetimeFigureOut">
               <a:rPr kumimoji="1" lang="ja-JP" altLang="en-US" smtClean="0"/>
-              <a:t>2018/12/18</a:t>
+              <a:t>2018/12/21</a:t>
             </a:fld>
             <a:endParaRPr kumimoji="1" lang="ja-JP" altLang="en-US"/>
           </a:p>
@@ -475,7 +475,7 @@
           <a:p>
             <a:fld id="{7B2C231C-A4B7-694E-AAA8-A398016C186A}" type="datetimeFigureOut">
               <a:rPr kumimoji="1" lang="ja-JP" altLang="en-US" smtClean="0"/>
-              <a:t>2018/12/18</a:t>
+              <a:t>2018/12/21</a:t>
             </a:fld>
             <a:endParaRPr kumimoji="1" lang="ja-JP" altLang="en-US"/>
           </a:p>
@@ -690,7 +690,7 @@
           <a:p>
             <a:fld id="{7B2C231C-A4B7-694E-AAA8-A398016C186A}" type="datetimeFigureOut">
               <a:rPr kumimoji="1" lang="ja-JP" altLang="en-US" smtClean="0"/>
-              <a:t>2018/12/18</a:t>
+              <a:t>2018/12/21</a:t>
             </a:fld>
             <a:endParaRPr kumimoji="1" lang="ja-JP" altLang="en-US"/>
           </a:p>
@@ -895,7 +895,7 @@
           <a:p>
             <a:fld id="{7B2C231C-A4B7-694E-AAA8-A398016C186A}" type="datetimeFigureOut">
               <a:rPr kumimoji="1" lang="ja-JP" altLang="en-US" smtClean="0"/>
-              <a:t>2018/12/18</a:t>
+              <a:t>2018/12/21</a:t>
             </a:fld>
             <a:endParaRPr kumimoji="1" lang="ja-JP" altLang="en-US"/>
           </a:p>
@@ -1205,7 +1205,7 @@
           <a:p>
             <a:fld id="{7B2C231C-A4B7-694E-AAA8-A398016C186A}" type="datetimeFigureOut">
               <a:rPr kumimoji="1" lang="ja-JP" altLang="en-US" smtClean="0"/>
-              <a:t>2018/12/18</a:t>
+              <a:t>2018/12/21</a:t>
             </a:fld>
             <a:endParaRPr kumimoji="1" lang="ja-JP" altLang="en-US"/>
           </a:p>
@@ -1484,7 +1484,7 @@
           <a:p>
             <a:fld id="{7B2C231C-A4B7-694E-AAA8-A398016C186A}" type="datetimeFigureOut">
               <a:rPr kumimoji="1" lang="ja-JP" altLang="en-US" smtClean="0"/>
-              <a:t>2018/12/18</a:t>
+              <a:t>2018/12/21</a:t>
             </a:fld>
             <a:endParaRPr kumimoji="1" lang="ja-JP" altLang="en-US"/>
           </a:p>
@@ -1980,7 +1980,7 @@
           <a:p>
             <a:fld id="{7B2C231C-A4B7-694E-AAA8-A398016C186A}" type="datetimeFigureOut">
               <a:rPr kumimoji="1" lang="ja-JP" altLang="en-US" smtClean="0"/>
-              <a:t>2018/12/18</a:t>
+              <a:t>2018/12/21</a:t>
             </a:fld>
             <a:endParaRPr kumimoji="1" lang="ja-JP" altLang="en-US"/>
           </a:p>
@@ -2121,7 +2121,7 @@
           <a:p>
             <a:fld id="{7B2C231C-A4B7-694E-AAA8-A398016C186A}" type="datetimeFigureOut">
               <a:rPr kumimoji="1" lang="ja-JP" altLang="en-US" smtClean="0"/>
-              <a:t>2018/12/18</a:t>
+              <a:t>2018/12/21</a:t>
             </a:fld>
             <a:endParaRPr kumimoji="1" lang="ja-JP" altLang="en-US"/>
           </a:p>
@@ -2234,7 +2234,7 @@
           <a:p>
             <a:fld id="{7B2C231C-A4B7-694E-AAA8-A398016C186A}" type="datetimeFigureOut">
               <a:rPr kumimoji="1" lang="ja-JP" altLang="en-US" smtClean="0"/>
-              <a:t>2018/12/18</a:t>
+              <a:t>2018/12/21</a:t>
             </a:fld>
             <a:endParaRPr kumimoji="1" lang="ja-JP" altLang="en-US"/>
           </a:p>
@@ -2587,7 +2587,7 @@
           <a:p>
             <a:fld id="{7B2C231C-A4B7-694E-AAA8-A398016C186A}" type="datetimeFigureOut">
               <a:rPr kumimoji="1" lang="ja-JP" altLang="en-US" smtClean="0"/>
-              <a:t>2018/12/18</a:t>
+              <a:t>2018/12/21</a:t>
             </a:fld>
             <a:endParaRPr kumimoji="1" lang="ja-JP" altLang="en-US"/>
           </a:p>
@@ -2910,7 +2910,7 @@
           <a:p>
             <a:fld id="{7B2C231C-A4B7-694E-AAA8-A398016C186A}" type="datetimeFigureOut">
               <a:rPr kumimoji="1" lang="ja-JP" altLang="en-US" smtClean="0"/>
-              <a:t>2018/12/18</a:t>
+              <a:t>2018/12/21</a:t>
             </a:fld>
             <a:endParaRPr kumimoji="1" lang="ja-JP" altLang="en-US"/>
           </a:p>
@@ -3158,7 +3158,7 @@
           <a:p>
             <a:fld id="{7B2C231C-A4B7-694E-AAA8-A398016C186A}" type="datetimeFigureOut">
               <a:rPr kumimoji="1" lang="ja-JP" altLang="en-US" smtClean="0"/>
-              <a:t>2018/12/18</a:t>
+              <a:t>2018/12/21</a:t>
             </a:fld>
             <a:endParaRPr kumimoji="1" lang="ja-JP" altLang="en-US"/>
           </a:p>
@@ -3577,10 +3577,10 @@
       </p:grpSpPr>
       <p:pic>
         <p:nvPicPr>
-          <p:cNvPr id="2" name="図 1">
-            <a:extLst>
-              <a:ext uri="{FF2B5EF4-FFF2-40B4-BE49-F238E27FC236}">
-                <a16:creationId xmlns:a16="http://schemas.microsoft.com/office/drawing/2014/main" id="{1072B9B7-1679-4846-9910-29A20391DB8E}"/>
+          <p:cNvPr id="3" name="図 2">
+            <a:extLst>
+              <a:ext uri="{FF2B5EF4-FFF2-40B4-BE49-F238E27FC236}">
+                <a16:creationId xmlns:a16="http://schemas.microsoft.com/office/drawing/2014/main" id="{5C35502C-3A7D-4061-BC0E-F2A8B75947F2}"/>
               </a:ext>
             </a:extLst>
           </p:cNvPr>
